--- a/ppts/2-5 AsymptoticQuiz.pptx
+++ b/ppts/2-5 AsymptoticQuiz.pptx
@@ -429,7 +429,7 @@
           <a:p>
             <a:fld id="{A9ADF8C7-AEDF-43D6-9DAF-DECAC1AD2E30}" type="datetimeFigureOut">
               <a:rPr lang="ko-KR" altLang="en-US" smtClean="0"/>
-              <a:t>2023-09-19</a:t>
+              <a:t>2023-09-20</a:t>
             </a:fld>
             <a:endParaRPr lang="ko-KR" altLang="en-US"/>
           </a:p>
@@ -903,7 +903,7 @@
           </a:ln>
           <a:extLst>
             <a:ext uri="{C572A759-6A51-4108-AA02-DFA0A04FC94B}">
-              <ma14:wrappingTextBoxFlag xmlns:ma14="http://schemas.microsoft.com/office/mac/drawingml/2011/main" xmlns="" val="1"/>
+              <ma14:wrappingTextBoxFlag xmlns="" xmlns:ma14="http://schemas.microsoft.com/office/mac/drawingml/2011/main" val="1"/>
             </a:ext>
           </a:extLst>
         </p:spPr>
@@ -1410,10 +1410,6 @@
             <a:r>
               <a:rPr lang="ko-KR" altLang="en-US" dirty="0"/>
               <a:t>마스터 제목 </a:t>
-            </a:r>
-            <a:r>
-              <a:rPr lang="en-US" altLang="ko-KR" dirty="0"/>
-              <a:t/>
             </a:r>
             <a:br>
               <a:rPr lang="en-US" altLang="ko-KR" dirty="0"/>
@@ -3386,7 +3382,7 @@
           <a:p>
             <a:fld id="{AC778754-33AA-481A-B885-58843B94B2EC}" type="datetime1">
               <a:rPr lang="ko-KR" altLang="en-US" smtClean="0"/>
-              <a:t>2023-09-19</a:t>
+              <a:t>2023-09-20</a:t>
             </a:fld>
             <a:endParaRPr lang="ko-KR" altLang="en-US" dirty="0"/>
           </a:p>
@@ -3932,8 +3928,8 @@
           </a:p>
         </p:txBody>
       </p:sp>
-      <mc:AlternateContent xmlns:mc="http://schemas.openxmlformats.org/markup-compatibility/2006">
-        <mc:Choice xmlns:a14="http://schemas.microsoft.com/office/drawing/2010/main" Requires="a14">
+      <mc:AlternateContent xmlns:mc="http://schemas.openxmlformats.org/markup-compatibility/2006" xmlns:a14="http://schemas.microsoft.com/office/drawing/2010/main">
+        <mc:Choice Requires="a14">
           <p:sp>
             <p:nvSpPr>
               <p:cNvPr id="4" name="내용 개체 틀 3"/>
@@ -3957,7 +3953,7 @@
               <a:lstStyle/>
               <a:p>
                 <a:r>
-                  <a:rPr lang="en-US" altLang="ko-KR" dirty="0" smtClean="0">
+                  <a:rPr lang="en-US" altLang="ko-KR" dirty="0">
                     <a:cs typeface="Times New Roman" pitchFamily="18" charset="0"/>
                   </a:rPr>
                   <a:t>Example: Running time estimates - empirical analysis</a:t>
@@ -4093,7 +4089,7 @@
             </p:txBody>
           </p:sp>
         </mc:Choice>
-        <mc:Fallback>
+        <mc:Fallback xmlns="">
           <p:sp>
             <p:nvSpPr>
               <p:cNvPr id="4" name="내용 개체 틀 3"/>
@@ -4142,7 +4138,7 @@
               <p:nvPr>
                 <p:extLst>
                   <p:ext uri="{D42A27DB-BD31-4B8C-83A1-F6EECF244321}">
-                    <p14:modId xmlns:p14="http://schemas.microsoft.com/office/powerpoint/2010/main" val="2519819949"/>
+                    <p14:modId xmlns:p14="http://schemas.microsoft.com/office/powerpoint/2010/main" val="1313356506"/>
                   </p:ext>
                 </p:extLst>
               </p:nvPr>
@@ -8887,9 +8883,10 @@
                             <a:buFont typeface="Wingdings" pitchFamily="2" charset="2"/>
                             <a:buNone/>
                             <a:tabLst/>
+                            <a:defRPr/>
                           </a:pPr>
                           <a:r>
-                            <a:rPr kumimoji="1" lang="en-US" altLang="ko-KR" sz="1800" b="0" i="0" u="none" strike="noStrike" cap="none" normalizeH="0" baseline="0" smtClean="0">
+                            <a:rPr kumimoji="1" lang="en-US" altLang="ko-KR" sz="1800" b="0" i="0" u="none" strike="noStrike" cap="none" normalizeH="0" baseline="0">
                               <a:ln>
                                 <a:noFill/>
                               </a:ln>
@@ -8900,19 +8897,8 @@
                               <a:latin typeface="Century Gothic" panose="020B0502020202020204" pitchFamily="34" charset="0"/>
                               <a:ea typeface="굴림" charset="-127"/>
                             </a:rPr>
-                            <a:t>Instant</a:t>
+                            <a:t>2.8 hours</a:t>
                           </a:r>
-                          <a:endParaRPr kumimoji="1" lang="en-US" altLang="ko-KR" sz="1800" b="0" i="0" u="none" strike="noStrike" cap="none" normalizeH="0" baseline="0" dirty="0">
-                            <a:ln>
-                              <a:noFill/>
-                            </a:ln>
-                            <a:solidFill>
-                              <a:srgbClr val="000000"/>
-                            </a:solidFill>
-                            <a:effectLst/>
-                            <a:latin typeface="Century Gothic" panose="020B0502020202020204" pitchFamily="34" charset="0"/>
-                            <a:ea typeface="굴림" charset="-127"/>
-                          </a:endParaRPr>
                         </a:p>
                       </a:txBody>
                       <a:tcPr anchor="ctr" horzOverflow="overflow">
@@ -9176,7 +9162,7 @@
                             <a:tabLst/>
                           </a:pPr>
                           <a:r>
-                            <a:rPr kumimoji="1" lang="en-US" altLang="ko-KR" sz="1800" b="0" i="0" u="none" strike="noStrike" cap="none" normalizeH="0" baseline="0" smtClean="0">
+                            <a:rPr kumimoji="1" lang="en-US" altLang="ko-KR" sz="1800" b="0" i="0" u="none" strike="noStrike" cap="none" normalizeH="0" baseline="0">
                               <a:ln>
                                 <a:noFill/>
                               </a:ln>
@@ -9187,7 +9173,7 @@
                               <a:latin typeface="Century Gothic" panose="020B0502020202020204" pitchFamily="34" charset="0"/>
                               <a:ea typeface="굴림" charset="-127"/>
                             </a:rPr>
-                            <a:t>2.8 hours</a:t>
+                            <a:t>11.5 days</a:t>
                           </a:r>
                           <a:endParaRPr kumimoji="1" lang="en-US" altLang="ko-KR" sz="1800" b="0" i="0" u="none" strike="noStrike" cap="none" normalizeH="0" baseline="0" dirty="0">
                             <a:ln>
@@ -9736,7 +9722,7 @@
                             <a:tabLst/>
                           </a:pPr>
                           <a:r>
-                            <a:rPr kumimoji="1" lang="en-US" altLang="ko-KR" sz="1800" b="0" i="0" u="none" strike="noStrike" cap="none" normalizeH="0" baseline="0" dirty="0">
+                            <a:rPr kumimoji="1" lang="en-US" altLang="ko-KR" sz="1800" b="0" i="0" u="none" strike="noStrike" cap="none" normalizeH="0" baseline="0">
                               <a:ln>
                                 <a:noFill/>
                               </a:ln>
@@ -9747,21 +9733,7 @@
                               <a:latin typeface="Century Gothic" panose="020B0502020202020204" pitchFamily="34" charset="0"/>
                               <a:ea typeface="굴림" charset="-127"/>
                             </a:rPr>
-                            <a:t>I</a:t>
-                          </a:r>
-                          <a:r>
-                            <a:rPr kumimoji="1" lang="en-US" altLang="ko-KR" sz="1800" b="0" i="0" u="none" strike="noStrike" cap="none" normalizeH="0" baseline="0" smtClean="0">
-                              <a:ln>
-                                <a:noFill/>
-                              </a:ln>
-                              <a:solidFill>
-                                <a:srgbClr val="000000"/>
-                              </a:solidFill>
-                              <a:effectLst/>
-                              <a:latin typeface="Century Gothic" panose="020B0502020202020204" pitchFamily="34" charset="0"/>
-                              <a:ea typeface="굴림" charset="-127"/>
-                            </a:rPr>
-                            <a:t>nstant</a:t>
+                            <a:t>2.3 sec</a:t>
                           </a:r>
                           <a:endParaRPr kumimoji="1" lang="en-US" altLang="ko-KR" sz="1800" b="0" i="0" u="none" strike="noStrike" cap="none" normalizeH="0" baseline="0" dirty="0">
                             <a:ln>
@@ -10037,20 +10009,6 @@
                             <a:tabLst/>
                           </a:pPr>
                           <a:r>
-                            <a:rPr kumimoji="1" lang="en-US" altLang="ko-KR" sz="1800" b="0" i="0" u="none" strike="noStrike" cap="none" normalizeH="0" baseline="0" smtClean="0">
-                              <a:ln>
-                                <a:noFill/>
-                              </a:ln>
-                              <a:solidFill>
-                                <a:srgbClr val="000000"/>
-                              </a:solidFill>
-                              <a:effectLst/>
-                              <a:latin typeface="Century Gothic" panose="020B0502020202020204" pitchFamily="34" charset="0"/>
-                              <a:ea typeface="굴림" charset="-127"/>
-                            </a:rPr>
-                            <a:t>1 </a:t>
-                          </a:r>
-                          <a:r>
                             <a:rPr kumimoji="1" lang="en-US" altLang="ko-KR" sz="1800" b="0" i="0" u="none" strike="noStrike" cap="none" normalizeH="0" baseline="0">
                               <a:ln>
                                 <a:noFill/>
@@ -10062,7 +10020,7 @@
                               <a:latin typeface="Century Gothic" panose="020B0502020202020204" pitchFamily="34" charset="0"/>
                               <a:ea typeface="굴림" charset="-127"/>
                             </a:rPr>
-                            <a:t>sec</a:t>
+                            <a:t>2.3 sec</a:t>
                           </a:r>
                           <a:endParaRPr kumimoji="1" lang="en-US" altLang="ko-KR" sz="1800" b="0" i="0" u="none" strike="noStrike" cap="none" normalizeH="0" baseline="0" dirty="0">
                             <a:ln>
@@ -10899,7 +10857,7 @@
                             <a:tabLst/>
                           </a:pPr>
                           <a:r>
-                            <a:rPr kumimoji="1" lang="en-US" altLang="ko-KR" sz="1800" b="0" i="0" u="none" strike="noStrike" cap="none" normalizeH="0" baseline="0" smtClean="0">
+                            <a:rPr kumimoji="1" lang="en-US" altLang="ko-KR" sz="1800" b="0" i="0" u="none" strike="noStrike" cap="none" normalizeH="0" baseline="0">
                               <a:ln>
                                 <a:noFill/>
                               </a:ln>
@@ -12366,7 +12324,7 @@
               <p:nvPr>
                 <p:extLst>
                   <p:ext uri="{D42A27DB-BD31-4B8C-83A1-F6EECF244321}">
-                    <p14:modId xmlns:p14="http://schemas.microsoft.com/office/powerpoint/2010/main" val="2519819949"/>
+                    <p14:modId xmlns:p14="http://schemas.microsoft.com/office/powerpoint/2010/main" val="1313356506"/>
                   </p:ext>
                 </p:extLst>
               </p:nvPr>
@@ -16398,9 +16356,10 @@
                             <a:buFont typeface="Wingdings" pitchFamily="2" charset="2"/>
                             <a:buNone/>
                             <a:tabLst/>
+                            <a:defRPr/>
                           </a:pPr>
                           <a:r>
-                            <a:rPr kumimoji="1" lang="en-US" altLang="ko-KR" sz="1800" b="0" i="0" u="none" strike="noStrike" cap="none" normalizeH="0" baseline="0" smtClean="0">
+                            <a:rPr kumimoji="1" lang="en-US" altLang="ko-KR" sz="1800" b="0" i="0" u="none" strike="noStrike" cap="none" normalizeH="0" baseline="0">
                               <a:ln>
                                 <a:noFill/>
                               </a:ln>
@@ -16411,19 +16370,8 @@
                               <a:latin typeface="Century Gothic" panose="020B0502020202020204" pitchFamily="34" charset="0"/>
                               <a:ea typeface="굴림" charset="-127"/>
                             </a:rPr>
-                            <a:t>Instant</a:t>
+                            <a:t>2.8 hours</a:t>
                           </a:r>
-                          <a:endParaRPr kumimoji="1" lang="en-US" altLang="ko-KR" sz="1800" b="0" i="0" u="none" strike="noStrike" cap="none" normalizeH="0" baseline="0" dirty="0">
-                            <a:ln>
-                              <a:noFill/>
-                            </a:ln>
-                            <a:solidFill>
-                              <a:srgbClr val="000000"/>
-                            </a:solidFill>
-                            <a:effectLst/>
-                            <a:latin typeface="Century Gothic" panose="020B0502020202020204" pitchFamily="34" charset="0"/>
-                            <a:ea typeface="굴림" charset="-127"/>
-                          </a:endParaRPr>
                         </a:p>
                       </a:txBody>
                       <a:tcPr anchor="ctr" horzOverflow="overflow">
@@ -16687,7 +16635,7 @@
                             <a:tabLst/>
                           </a:pPr>
                           <a:r>
-                            <a:rPr kumimoji="1" lang="en-US" altLang="ko-KR" sz="1800" b="0" i="0" u="none" strike="noStrike" cap="none" normalizeH="0" baseline="0" smtClean="0">
+                            <a:rPr kumimoji="1" lang="en-US" altLang="ko-KR" sz="1800" b="0" i="0" u="none" strike="noStrike" cap="none" normalizeH="0" baseline="0">
                               <a:ln>
                                 <a:noFill/>
                               </a:ln>
@@ -16698,7 +16646,7 @@
                               <a:latin typeface="Century Gothic" panose="020B0502020202020204" pitchFamily="34" charset="0"/>
                               <a:ea typeface="굴림" charset="-127"/>
                             </a:rPr>
-                            <a:t>2.8 hours</a:t>
+                            <a:t>11.5 days</a:t>
                           </a:r>
                           <a:endParaRPr kumimoji="1" lang="en-US" altLang="ko-KR" sz="1800" b="0" i="0" u="none" strike="noStrike" cap="none" normalizeH="0" baseline="0" dirty="0">
                             <a:ln>
@@ -17247,7 +17195,7 @@
                             <a:tabLst/>
                           </a:pPr>
                           <a:r>
-                            <a:rPr kumimoji="1" lang="en-US" altLang="ko-KR" sz="1800" b="0" i="0" u="none" strike="noStrike" cap="none" normalizeH="0" baseline="0" dirty="0">
+                            <a:rPr kumimoji="1" lang="en-US" altLang="ko-KR" sz="1800" b="0" i="0" u="none" strike="noStrike" cap="none" normalizeH="0" baseline="0">
                               <a:ln>
                                 <a:noFill/>
                               </a:ln>
@@ -17258,21 +17206,7 @@
                               <a:latin typeface="Century Gothic" panose="020B0502020202020204" pitchFamily="34" charset="0"/>
                               <a:ea typeface="굴림" charset="-127"/>
                             </a:rPr>
-                            <a:t>I</a:t>
-                          </a:r>
-                          <a:r>
-                            <a:rPr kumimoji="1" lang="en-US" altLang="ko-KR" sz="1800" b="0" i="0" u="none" strike="noStrike" cap="none" normalizeH="0" baseline="0" smtClean="0">
-                              <a:ln>
-                                <a:noFill/>
-                              </a:ln>
-                              <a:solidFill>
-                                <a:srgbClr val="000000"/>
-                              </a:solidFill>
-                              <a:effectLst/>
-                              <a:latin typeface="Century Gothic" panose="020B0502020202020204" pitchFamily="34" charset="0"/>
-                              <a:ea typeface="굴림" charset="-127"/>
-                            </a:rPr>
-                            <a:t>nstant</a:t>
+                            <a:t>2.3 sec</a:t>
                           </a:r>
                           <a:endParaRPr kumimoji="1" lang="en-US" altLang="ko-KR" sz="1800" b="0" i="0" u="none" strike="noStrike" cap="none" normalizeH="0" baseline="0" dirty="0">
                             <a:ln>
@@ -17548,20 +17482,6 @@
                             <a:tabLst/>
                           </a:pPr>
                           <a:r>
-                            <a:rPr kumimoji="1" lang="en-US" altLang="ko-KR" sz="1800" b="0" i="0" u="none" strike="noStrike" cap="none" normalizeH="0" baseline="0" smtClean="0">
-                              <a:ln>
-                                <a:noFill/>
-                              </a:ln>
-                              <a:solidFill>
-                                <a:srgbClr val="000000"/>
-                              </a:solidFill>
-                              <a:effectLst/>
-                              <a:latin typeface="Century Gothic" panose="020B0502020202020204" pitchFamily="34" charset="0"/>
-                              <a:ea typeface="굴림" charset="-127"/>
-                            </a:rPr>
-                            <a:t>1 </a:t>
-                          </a:r>
-                          <a:r>
                             <a:rPr kumimoji="1" lang="en-US" altLang="ko-KR" sz="1800" b="0" i="0" u="none" strike="noStrike" cap="none" normalizeH="0" baseline="0">
                               <a:ln>
                                 <a:noFill/>
@@ -17573,7 +17493,7 @@
                               <a:latin typeface="Century Gothic" panose="020B0502020202020204" pitchFamily="34" charset="0"/>
                               <a:ea typeface="굴림" charset="-127"/>
                             </a:rPr>
-                            <a:t>sec</a:t>
+                            <a:t>2.3 sec</a:t>
                           </a:r>
                           <a:endParaRPr kumimoji="1" lang="en-US" altLang="ko-KR" sz="1800" b="0" i="0" u="none" strike="noStrike" cap="none" normalizeH="0" baseline="0" dirty="0">
                             <a:ln>
@@ -18410,7 +18330,7 @@
                             <a:tabLst/>
                           </a:pPr>
                           <a:r>
-                            <a:rPr kumimoji="1" lang="en-US" altLang="ko-KR" sz="1800" b="0" i="0" u="none" strike="noStrike" cap="none" normalizeH="0" baseline="0" smtClean="0">
+                            <a:rPr kumimoji="1" lang="en-US" altLang="ko-KR" sz="1800" b="0" i="0" u="none" strike="noStrike" cap="none" normalizeH="0" baseline="0">
                               <a:ln>
                                 <a:noFill/>
                               </a:ln>
@@ -19932,7 +19852,7 @@
             <p:spPr>
               <a:xfrm>
                 <a:off x="1135895" y="5047844"/>
-                <a:ext cx="2055371" cy="969496"/>
+                <a:ext cx="2055371" cy="1261884"/>
               </a:xfrm>
               <a:prstGeom prst="rect">
                 <a:avLst/>
@@ -20009,6 +19929,70 @@
                       <m:jc m:val="centerGroup"/>
                     </m:oMathParaPr>
                     <m:oMath xmlns:m="http://schemas.openxmlformats.org/officeDocument/2006/math">
+                      <m:sSub>
+                        <m:sSubPr>
+                          <m:ctrlPr>
+                            <a:rPr lang="en-US" altLang="ko-KR" i="1">
+                              <a:latin typeface="Cambria Math" panose="02040503050406030204" pitchFamily="18" charset="0"/>
+                            </a:rPr>
+                          </m:ctrlPr>
+                        </m:sSubPr>
+                        <m:e>
+                          <m:r>
+                            <a:rPr lang="en-US" altLang="ko-KR" i="1">
+                              <a:latin typeface="Cambria Math" panose="02040503050406030204" pitchFamily="18" charset="0"/>
+                            </a:rPr>
+                            <m:t>𝑙𝑜𝑔</m:t>
+                          </m:r>
+                        </m:e>
+                        <m:sub>
+                          <m:r>
+                            <a:rPr lang="en-US" altLang="ko-KR" i="1">
+                              <a:latin typeface="Cambria Math" panose="02040503050406030204" pitchFamily="18" charset="0"/>
+                            </a:rPr>
+                            <m:t>2</m:t>
+                          </m:r>
+                        </m:sub>
+                      </m:sSub>
+                      <m:r>
+                        <a:rPr lang="en-US" altLang="ko-KR" i="1">
+                          <a:latin typeface="Cambria Math" panose="02040503050406030204" pitchFamily="18" charset="0"/>
+                        </a:rPr>
+                        <m:t>10</m:t>
+                      </m:r>
+                      <m:r>
+                        <a:rPr lang="en-US" altLang="ko-KR" i="1" dirty="0">
+                          <a:latin typeface="Cambria Math" panose="02040503050406030204" pitchFamily="18" charset="0"/>
+                          <a:ea typeface="Cambria Math" panose="02040503050406030204" pitchFamily="18" charset="0"/>
+                        </a:rPr>
+                        <m:t>≅</m:t>
+                      </m:r>
+                      <m:r>
+                        <a:rPr lang="en-US" altLang="ko-KR" i="1" dirty="0">
+                          <a:latin typeface="Cambria Math" panose="02040503050406030204" pitchFamily="18" charset="0"/>
+                          <a:ea typeface="Cambria Math" panose="02040503050406030204" pitchFamily="18" charset="0"/>
+                        </a:rPr>
+                        <m:t>3</m:t>
+                      </m:r>
+                      <m:r>
+                        <a:rPr lang="en-US" altLang="ko-KR" i="1">
+                          <a:latin typeface="Cambria Math" panose="02040503050406030204" pitchFamily="18" charset="0"/>
+                        </a:rPr>
+                        <m:t>.3</m:t>
+                      </m:r>
+                    </m:oMath>
+                  </m:oMathPara>
+                </a14:m>
+                <a:endParaRPr lang="en-US" altLang="ko-KR" dirty="0"/>
+              </a:p>
+              <a:p>
+                <a:pPr/>
+                <a14:m>
+                  <m:oMathPara xmlns:m="http://schemas.openxmlformats.org/officeDocument/2006/math">
+                    <m:oMathParaPr>
+                      <m:jc m:val="centerGroup"/>
+                    </m:oMathParaPr>
+                    <m:oMath xmlns:m="http://schemas.openxmlformats.org/officeDocument/2006/math">
                       <m:r>
                         <a:rPr lang="en-US" altLang="ko-KR" i="1" dirty="0">
                           <a:latin typeface="Cambria Math" panose="02040503050406030204" pitchFamily="18" charset="0"/>
@@ -20034,7 +20018,13 @@
                         <a:rPr lang="en-US" altLang="ko-KR" i="1" dirty="0">
                           <a:latin typeface="Cambria Math" panose="02040503050406030204" pitchFamily="18" charset="0"/>
                         </a:rPr>
-                        <m:t>𝑑𝑎𝑦</m:t>
+                        <m:t>𝑑</m:t>
+                      </m:r>
+                      <m:r>
+                        <a:rPr lang="en-US" altLang="ko-KR" i="1" dirty="0">
+                          <a:latin typeface="Cambria Math" panose="02040503050406030204" pitchFamily="18" charset="0"/>
+                        </a:rPr>
+                        <m:t>𝑎𝑦</m:t>
                       </m:r>
                     </m:oMath>
                   </m:oMathPara>
@@ -20043,10 +20033,10 @@
               </a:p>
               <a:p>
                 <a:r>
-                  <a:rPr lang="en-US" altLang="ko-KR" b="1" dirty="0"/>
+                  <a:rPr lang="en-US" altLang="ko-KR" dirty="0"/>
                   <a:t>instant &lt; 0.1 sec</a:t>
                 </a:r>
-                <a:endParaRPr lang="ko-KR" altLang="en-US" b="1" dirty="0"/>
+                <a:endParaRPr lang="ko-KR" altLang="en-US" dirty="0"/>
               </a:p>
             </p:txBody>
           </p:sp>
@@ -20063,7 +20053,7 @@
             <p:spPr>
               <a:xfrm>
                 <a:off x="1135895" y="5047844"/>
-                <a:ext cx="2055371" cy="969496"/>
+                <a:ext cx="2055371" cy="1261884"/>
               </a:xfrm>
               <a:prstGeom prst="rect">
                 <a:avLst/>
@@ -20071,7 +20061,7 @@
               <a:blipFill>
                 <a:blip r:embed="rId5"/>
                 <a:stretch>
-                  <a:fillRect l="-2663" r="-2663" b="-10063"/>
+                  <a:fillRect l="-2663" r="-2071" b="-7246"/>
                 </a:stretch>
               </a:blipFill>
             </p:spPr>
@@ -20124,8 +20114,12 @@
           </a:p>
           <a:p>
             <a:r>
+              <a:rPr lang="en-US" altLang="ko-KR" b="1" dirty="0"/>
+              <a:t>Do not say, </a:t>
+            </a:r>
+            <a:r>
               <a:rPr lang="en-US" altLang="ko-KR" dirty="0"/>
-              <a:t>Do not say, for example, "3660 days" nor "1220 seconds", </a:t>
+              <a:t>for example, "3660 days" nor "1220 seconds", </a:t>
             </a:r>
           </a:p>
           <a:p>

--- a/ppts/2-5 AsymptoticQuiz.pptx
+++ b/ppts/2-5 AsymptoticQuiz.pptx
@@ -429,7 +429,7 @@
           <a:p>
             <a:fld id="{A9ADF8C7-AEDF-43D6-9DAF-DECAC1AD2E30}" type="datetimeFigureOut">
               <a:rPr lang="ko-KR" altLang="en-US" smtClean="0"/>
-              <a:t>2023-09-20</a:t>
+              <a:t>2023-09-22</a:t>
             </a:fld>
             <a:endParaRPr lang="ko-KR" altLang="en-US"/>
           </a:p>
@@ -1410,6 +1410,10 @@
             <a:r>
               <a:rPr lang="ko-KR" altLang="en-US" dirty="0"/>
               <a:t>마스터 제목 </a:t>
+            </a:r>
+            <a:r>
+              <a:rPr lang="en-US" altLang="ko-KR" dirty="0"/>
+              <a:t/>
             </a:r>
             <a:br>
               <a:rPr lang="en-US" altLang="ko-KR" dirty="0"/>
@@ -3382,7 +3386,7 @@
           <a:p>
             <a:fld id="{AC778754-33AA-481A-B885-58843B94B2EC}" type="datetime1">
               <a:rPr lang="ko-KR" altLang="en-US" smtClean="0"/>
-              <a:t>2023-09-20</a:t>
+              <a:t>2023-09-22</a:t>
             </a:fld>
             <a:endParaRPr lang="ko-KR" altLang="en-US" dirty="0"/>
           </a:p>
@@ -3953,7 +3957,7 @@
               <a:lstStyle/>
               <a:p>
                 <a:r>
-                  <a:rPr lang="en-US" altLang="ko-KR" dirty="0">
+                  <a:rPr lang="en-US" altLang="ko-KR" dirty="0" smtClean="0">
                     <a:cs typeface="Times New Roman" pitchFamily="18" charset="0"/>
                   </a:rPr>
                   <a:t>Example: Running time estimates - empirical analysis</a:t>
@@ -4127,8 +4131,8 @@
           </p:sp>
         </mc:Fallback>
       </mc:AlternateContent>
-      <mc:AlternateContent xmlns:mc="http://schemas.openxmlformats.org/markup-compatibility/2006">
-        <mc:Choice xmlns:a14="http://schemas.microsoft.com/office/drawing/2010/main" Requires="a14">
+      <mc:AlternateContent xmlns:mc="http://schemas.openxmlformats.org/markup-compatibility/2006" xmlns:a14="http://schemas.microsoft.com/office/drawing/2010/main">
+        <mc:Choice Requires="a14">
           <p:graphicFrame>
             <p:nvGraphicFramePr>
               <p:cNvPr id="5" name="Group 219"/>
@@ -4138,7 +4142,7 @@
               <p:nvPr>
                 <p:extLst>
                   <p:ext uri="{D42A27DB-BD31-4B8C-83A1-F6EECF244321}">
-                    <p14:modId xmlns:p14="http://schemas.microsoft.com/office/powerpoint/2010/main" val="1313356506"/>
+                    <p14:modId xmlns:p14="http://schemas.microsoft.com/office/powerpoint/2010/main" val="4033193998"/>
                   </p:ext>
                 </p:extLst>
               </p:nvPr>
@@ -8883,7 +8887,6 @@
                             <a:buFont typeface="Wingdings" pitchFamily="2" charset="2"/>
                             <a:buNone/>
                             <a:tabLst/>
-                            <a:defRPr/>
                           </a:pPr>
                           <a:r>
                             <a:rPr kumimoji="1" lang="en-US" altLang="ko-KR" sz="1800" b="0" i="0" u="none" strike="noStrike" cap="none" normalizeH="0" baseline="0">
@@ -8899,6 +8902,17 @@
                             </a:rPr>
                             <a:t>2.8 hours</a:t>
                           </a:r>
+                          <a:endParaRPr kumimoji="1" lang="en-US" altLang="ko-KR" sz="1800" b="0" i="0" u="none" strike="noStrike" cap="none" normalizeH="0" baseline="0" dirty="0">
+                            <a:ln>
+                              <a:noFill/>
+                            </a:ln>
+                            <a:solidFill>
+                              <a:srgbClr val="000000"/>
+                            </a:solidFill>
+                            <a:effectLst/>
+                            <a:latin typeface="Century Gothic" panose="020B0502020202020204" pitchFamily="34" charset="0"/>
+                            <a:ea typeface="굴림" charset="-127"/>
+                          </a:endParaRPr>
                         </a:p>
                       </a:txBody>
                       <a:tcPr anchor="ctr" horzOverflow="overflow">
@@ -9162,6 +9176,20 @@
                             <a:tabLst/>
                           </a:pPr>
                           <a:r>
+                            <a:rPr kumimoji="1" lang="en-US" altLang="ko-KR" sz="1800" b="0" i="0" u="none" strike="noStrike" cap="none" normalizeH="0" baseline="0" smtClean="0">
+                              <a:ln>
+                                <a:noFill/>
+                              </a:ln>
+                              <a:solidFill>
+                                <a:srgbClr val="000000"/>
+                              </a:solidFill>
+                              <a:effectLst/>
+                              <a:latin typeface="Century Gothic" panose="020B0502020202020204" pitchFamily="34" charset="0"/>
+                              <a:ea typeface="굴림" charset="-127"/>
+                            </a:rPr>
+                            <a:t>11.6 </a:t>
+                          </a:r>
+                          <a:r>
                             <a:rPr kumimoji="1" lang="en-US" altLang="ko-KR" sz="1800" b="0" i="0" u="none" strike="noStrike" cap="none" normalizeH="0" baseline="0">
                               <a:ln>
                                 <a:noFill/>
@@ -9173,7 +9201,7 @@
                               <a:latin typeface="Century Gothic" panose="020B0502020202020204" pitchFamily="34" charset="0"/>
                               <a:ea typeface="굴림" charset="-127"/>
                             </a:rPr>
-                            <a:t>11.5 days</a:t>
+                            <a:t>days</a:t>
                           </a:r>
                           <a:endParaRPr kumimoji="1" lang="en-US" altLang="ko-KR" sz="1800" b="0" i="0" u="none" strike="noStrike" cap="none" normalizeH="0" baseline="0" dirty="0">
                             <a:ln>
@@ -9733,7 +9761,7 @@
                               <a:latin typeface="Century Gothic" panose="020B0502020202020204" pitchFamily="34" charset="0"/>
                               <a:ea typeface="굴림" charset="-127"/>
                             </a:rPr>
-                            <a:t>2.3 sec</a:t>
+                            <a:t>0.2 sec</a:t>
                           </a:r>
                           <a:endParaRPr kumimoji="1" lang="en-US" altLang="ko-KR" sz="1800" b="0" i="0" u="none" strike="noStrike" cap="none" normalizeH="0" baseline="0" dirty="0">
                             <a:ln>
@@ -10857,7 +10885,7 @@
                             <a:tabLst/>
                           </a:pPr>
                           <a:r>
-                            <a:rPr kumimoji="1" lang="en-US" altLang="ko-KR" sz="1800" b="0" i="0" u="none" strike="noStrike" cap="none" normalizeH="0" baseline="0">
+                            <a:rPr kumimoji="1" lang="en-US" altLang="ko-KR" sz="1800" b="0" i="0" u="none" strike="noStrike" cap="none" normalizeH="0" baseline="0" smtClean="0">
                               <a:ln>
                                 <a:noFill/>
                               </a:ln>
@@ -10868,7 +10896,7 @@
                               <a:latin typeface="Century Gothic" panose="020B0502020202020204" pitchFamily="34" charset="0"/>
                               <a:ea typeface="굴림" charset="-127"/>
                             </a:rPr>
-                            <a:t>Instant</a:t>
+                            <a:t>1 sec</a:t>
                           </a:r>
                           <a:endParaRPr kumimoji="1" lang="en-US" altLang="ko-KR" sz="1800" b="0" i="0" u="none" strike="noStrike" cap="none" normalizeH="0" baseline="0" dirty="0">
                             <a:ln>
@@ -12314,7 +12342,7 @@
             </a:graphic>
           </p:graphicFrame>
         </mc:Choice>
-        <mc:Fallback>
+        <mc:Fallback xmlns="">
           <p:graphicFrame>
             <p:nvGraphicFramePr>
               <p:cNvPr id="5" name="Group 219"/>
@@ -12324,7 +12352,7 @@
               <p:nvPr>
                 <p:extLst>
                   <p:ext uri="{D42A27DB-BD31-4B8C-83A1-F6EECF244321}">
-                    <p14:modId xmlns:p14="http://schemas.microsoft.com/office/powerpoint/2010/main" val="1313356506"/>
+                    <p14:modId xmlns:p14="http://schemas.microsoft.com/office/powerpoint/2010/main" val="4033193998"/>
                   </p:ext>
                 </p:extLst>
               </p:nvPr>
@@ -16356,7 +16384,6 @@
                             <a:buFont typeface="Wingdings" pitchFamily="2" charset="2"/>
                             <a:buNone/>
                             <a:tabLst/>
-                            <a:defRPr/>
                           </a:pPr>
                           <a:r>
                             <a:rPr kumimoji="1" lang="en-US" altLang="ko-KR" sz="1800" b="0" i="0" u="none" strike="noStrike" cap="none" normalizeH="0" baseline="0">
@@ -16372,6 +16399,17 @@
                             </a:rPr>
                             <a:t>2.8 hours</a:t>
                           </a:r>
+                          <a:endParaRPr kumimoji="1" lang="en-US" altLang="ko-KR" sz="1800" b="0" i="0" u="none" strike="noStrike" cap="none" normalizeH="0" baseline="0" dirty="0">
+                            <a:ln>
+                              <a:noFill/>
+                            </a:ln>
+                            <a:solidFill>
+                              <a:srgbClr val="000000"/>
+                            </a:solidFill>
+                            <a:effectLst/>
+                            <a:latin typeface="Century Gothic" panose="020B0502020202020204" pitchFamily="34" charset="0"/>
+                            <a:ea typeface="굴림" charset="-127"/>
+                          </a:endParaRPr>
                         </a:p>
                       </a:txBody>
                       <a:tcPr anchor="ctr" horzOverflow="overflow">
@@ -16635,6 +16673,20 @@
                             <a:tabLst/>
                           </a:pPr>
                           <a:r>
+                            <a:rPr kumimoji="1" lang="en-US" altLang="ko-KR" sz="1800" b="0" i="0" u="none" strike="noStrike" cap="none" normalizeH="0" baseline="0" smtClean="0">
+                              <a:ln>
+                                <a:noFill/>
+                              </a:ln>
+                              <a:solidFill>
+                                <a:srgbClr val="000000"/>
+                              </a:solidFill>
+                              <a:effectLst/>
+                              <a:latin typeface="Century Gothic" panose="020B0502020202020204" pitchFamily="34" charset="0"/>
+                              <a:ea typeface="굴림" charset="-127"/>
+                            </a:rPr>
+                            <a:t>11.6 </a:t>
+                          </a:r>
+                          <a:r>
                             <a:rPr kumimoji="1" lang="en-US" altLang="ko-KR" sz="1800" b="0" i="0" u="none" strike="noStrike" cap="none" normalizeH="0" baseline="0">
                               <a:ln>
                                 <a:noFill/>
@@ -16646,7 +16698,7 @@
                               <a:latin typeface="Century Gothic" panose="020B0502020202020204" pitchFamily="34" charset="0"/>
                               <a:ea typeface="굴림" charset="-127"/>
                             </a:rPr>
-                            <a:t>11.5 days</a:t>
+                            <a:t>days</a:t>
                           </a:r>
                           <a:endParaRPr kumimoji="1" lang="en-US" altLang="ko-KR" sz="1800" b="0" i="0" u="none" strike="noStrike" cap="none" normalizeH="0" baseline="0" dirty="0">
                             <a:ln>
@@ -17206,7 +17258,7 @@
                               <a:latin typeface="Century Gothic" panose="020B0502020202020204" pitchFamily="34" charset="0"/>
                               <a:ea typeface="굴림" charset="-127"/>
                             </a:rPr>
-                            <a:t>2.3 sec</a:t>
+                            <a:t>0.2 sec</a:t>
                           </a:r>
                           <a:endParaRPr kumimoji="1" lang="en-US" altLang="ko-KR" sz="1800" b="0" i="0" u="none" strike="noStrike" cap="none" normalizeH="0" baseline="0" dirty="0">
                             <a:ln>
@@ -18330,7 +18382,7 @@
                             <a:tabLst/>
                           </a:pPr>
                           <a:r>
-                            <a:rPr kumimoji="1" lang="en-US" altLang="ko-KR" sz="1800" b="0" i="0" u="none" strike="noStrike" cap="none" normalizeH="0" baseline="0">
+                            <a:rPr kumimoji="1" lang="en-US" altLang="ko-KR" sz="1800" b="0" i="0" u="none" strike="noStrike" cap="none" normalizeH="0" baseline="0" smtClean="0">
                               <a:ln>
                                 <a:noFill/>
                               </a:ln>
@@ -18341,7 +18393,7 @@
                               <a:latin typeface="Century Gothic" panose="020B0502020202020204" pitchFamily="34" charset="0"/>
                               <a:ea typeface="굴림" charset="-127"/>
                             </a:rPr>
-                            <a:t>Instant</a:t>
+                            <a:t>1 sec</a:t>
                           </a:r>
                           <a:endParaRPr kumimoji="1" lang="en-US" altLang="ko-KR" sz="1800" b="0" i="0" u="none" strike="noStrike" cap="none" normalizeH="0" baseline="0" dirty="0">
                             <a:ln>
@@ -19841,18 +19893,100 @@
           </a:p>
         </p:txBody>
       </p:sp>
-      <mc:AlternateContent xmlns:mc="http://schemas.openxmlformats.org/markup-compatibility/2006">
-        <mc:Choice xmlns:a14="http://schemas.microsoft.com/office/drawing/2010/main" Requires="a14">
+      <p:sp>
+        <p:nvSpPr>
+          <p:cNvPr id="13" name="직사각형 12">
+            <a:extLst>
+              <a:ext uri="{FF2B5EF4-FFF2-40B4-BE49-F238E27FC236}">
+                <a16:creationId xmlns:a16="http://schemas.microsoft.com/office/drawing/2014/main" id="{97DF1951-0DE7-49B0-B565-3F9983B1706A}"/>
+              </a:ext>
+            </a:extLst>
+          </p:cNvPr>
+          <p:cNvSpPr/>
+          <p:nvPr/>
+        </p:nvSpPr>
+        <p:spPr>
+          <a:xfrm>
+            <a:off x="5327748" y="5047844"/>
+            <a:ext cx="6832320" cy="1261884"/>
+          </a:xfrm>
+          <a:prstGeom prst="rect">
+            <a:avLst/>
+          </a:prstGeom>
+        </p:spPr>
+        <p:txBody>
+          <a:bodyPr wrap="none">
+            <a:spAutoFit/>
+          </a:bodyPr>
+          <a:lstStyle/>
+          <a:p>
+            <a:r>
+              <a:rPr lang="en-US" altLang="ko-KR" b="1" smtClean="0"/>
+              <a:t>Note: </a:t>
+            </a:r>
+            <a:r>
+              <a:rPr lang="en-US" altLang="ko-KR" smtClean="0"/>
+              <a:t>Use </a:t>
+            </a:r>
+            <a:r>
+              <a:rPr lang="en-US" altLang="ko-KR" dirty="0"/>
+              <a:t>a reasonable or understandable time units.</a:t>
+            </a:r>
+          </a:p>
+          <a:p>
+            <a:r>
+              <a:rPr lang="en-US" altLang="ko-KR" b="1" dirty="0"/>
+              <a:t>Do not say, </a:t>
+            </a:r>
+            <a:r>
+              <a:rPr lang="en-US" altLang="ko-KR" dirty="0"/>
+              <a:t>for example, "3660 days" nor "1220 seconds", </a:t>
+            </a:r>
+          </a:p>
+          <a:p>
+            <a:r>
+              <a:rPr lang="en-US" altLang="ko-KR" dirty="0"/>
+              <a:t>but 10.0 years or 20.3 min, respectively</a:t>
+            </a:r>
+            <a:r>
+              <a:rPr lang="en-US" altLang="ko-KR"/>
+              <a:t>. </a:t>
+            </a:r>
+            <a:r>
+              <a:rPr lang="en-US" altLang="ko-KR" smtClean="0"/>
+              <a:t/>
+            </a:r>
+            <a:br>
+              <a:rPr lang="en-US" altLang="ko-KR" smtClean="0"/>
+            </a:br>
+            <a:r>
+              <a:rPr lang="en-US" altLang="ko-KR"/>
+              <a:t>Use "</a:t>
+            </a:r>
+            <a:r>
+              <a:rPr lang="en-US" altLang="ko-KR" b="1"/>
+              <a:t>Instant</a:t>
+            </a:r>
+            <a:r>
+              <a:rPr lang="en-US" altLang="ko-KR"/>
+              <a:t>" if less than 0.1 sec.</a:t>
+            </a:r>
+            <a:endParaRPr lang="ko-KR" altLang="en-US"/>
+          </a:p>
+        </p:txBody>
+      </p:sp>
+      <mc:AlternateContent xmlns:mc="http://schemas.openxmlformats.org/markup-compatibility/2006" xmlns:a14="http://schemas.microsoft.com/office/drawing/2010/main">
+        <mc:Choice Requires="a14">
           <p:sp>
             <p:nvSpPr>
-              <p:cNvPr id="11" name="TextBox 10"/>
+              <p:cNvPr id="9" name="TextBox 8"/>
               <p:cNvSpPr txBox="1"/>
               <p:nvPr/>
             </p:nvSpPr>
             <p:spPr>
               <a:xfrm>
                 <a:off x="1135895" y="5047844"/>
-                <a:ext cx="2055371" cy="1261884"/>
+                <a:ext cx="1843133" cy="969496"/>
               </a:xfrm>
               <a:prstGeom prst="rect">
                 <a:avLst/>
@@ -19875,7 +20009,7 @@
                       <m:sSub>
                         <m:sSubPr>
                           <m:ctrlPr>
-                            <a:rPr lang="en-US" altLang="ko-KR" i="1">
+                            <a:rPr lang="en-US" altLang="ko-KR" i="1" smtClean="0">
                               <a:latin typeface="Cambria Math" panose="02040503050406030204" pitchFamily="18" charset="0"/>
                             </a:rPr>
                           </m:ctrlPr>
@@ -19932,7 +20066,7 @@
                       <m:sSub>
                         <m:sSubPr>
                           <m:ctrlPr>
-                            <a:rPr lang="en-US" altLang="ko-KR" i="1">
+                            <a:rPr lang="en-US" altLang="ko-KR" i="1" smtClean="0">
                               <a:latin typeface="Cambria Math" panose="02040503050406030204" pitchFamily="18" charset="0"/>
                             </a:rPr>
                           </m:ctrlPr>
@@ -19947,7 +20081,7 @@
                         </m:e>
                         <m:sub>
                           <m:r>
-                            <a:rPr lang="en-US" altLang="ko-KR" i="1">
+                            <a:rPr lang="en-US" altLang="ko-KR" b="0" i="1" smtClean="0">
                               <a:latin typeface="Cambria Math" panose="02040503050406030204" pitchFamily="18" charset="0"/>
                             </a:rPr>
                             <m:t>2</m:t>
@@ -19955,7 +20089,7 @@
                         </m:sub>
                       </m:sSub>
                       <m:r>
-                        <a:rPr lang="en-US" altLang="ko-KR" i="1">
+                        <a:rPr lang="en-US" altLang="ko-KR" b="0" i="1" smtClean="0">
                           <a:latin typeface="Cambria Math" panose="02040503050406030204" pitchFamily="18" charset="0"/>
                         </a:rPr>
                         <m:t>10</m:t>
@@ -19968,7 +20102,7 @@
                         <m:t>≅</m:t>
                       </m:r>
                       <m:r>
-                        <a:rPr lang="en-US" altLang="ko-KR" i="1" dirty="0">
+                        <a:rPr lang="en-US" altLang="ko-KR" b="0" i="1" dirty="0" smtClean="0">
                           <a:latin typeface="Cambria Math" panose="02040503050406030204" pitchFamily="18" charset="0"/>
                           <a:ea typeface="Cambria Math" panose="02040503050406030204" pitchFamily="18" charset="0"/>
                         </a:rPr>
@@ -20015,7 +20149,7 @@
                         <m:t>/</m:t>
                       </m:r>
                       <m:r>
-                        <a:rPr lang="en-US" altLang="ko-KR" i="1" dirty="0">
+                        <a:rPr lang="en-US" altLang="ko-KR" i="1" dirty="0" smtClean="0">
                           <a:latin typeface="Cambria Math" panose="02040503050406030204" pitchFamily="18" charset="0"/>
                         </a:rPr>
                         <m:t>𝑑</m:t>
@@ -20031,20 +20165,13 @@
                 </a14:m>
                 <a:endParaRPr lang="en-US" altLang="ko-KR" dirty="0"/>
               </a:p>
-              <a:p>
-                <a:r>
-                  <a:rPr lang="en-US" altLang="ko-KR" dirty="0"/>
-                  <a:t>instant &lt; 0.1 sec</a:t>
-                </a:r>
-                <a:endParaRPr lang="ko-KR" altLang="en-US" dirty="0"/>
-              </a:p>
             </p:txBody>
           </p:sp>
         </mc:Choice>
-        <mc:Fallback>
+        <mc:Fallback xmlns="">
           <p:sp>
             <p:nvSpPr>
-              <p:cNvPr id="11" name="TextBox 10"/>
+              <p:cNvPr id="9" name="TextBox 8"/>
               <p:cNvSpPr txBox="1">
                 <a:spLocks noRot="1" noChangeAspect="1" noMove="1" noResize="1" noEditPoints="1" noAdjustHandles="1" noChangeArrowheads="1" noChangeShapeType="1" noTextEdit="1"/>
               </p:cNvSpPr>
@@ -20053,7 +20180,7 @@
             <p:spPr>
               <a:xfrm>
                 <a:off x="1135895" y="5047844"/>
-                <a:ext cx="2055371" cy="1261884"/>
+                <a:ext cx="1843133" cy="969496"/>
               </a:xfrm>
               <a:prstGeom prst="rect">
                 <a:avLst/>
@@ -20061,7 +20188,7 @@
               <a:blipFill>
                 <a:blip r:embed="rId5"/>
                 <a:stretch>
-                  <a:fillRect l="-2663" r="-2071" b="-7246"/>
+                  <a:fillRect b="-5660"/>
                 </a:stretch>
               </a:blipFill>
             </p:spPr>
@@ -20080,57 +20207,6 @@
           </p:sp>
         </mc:Fallback>
       </mc:AlternateContent>
-      <p:sp>
-        <p:nvSpPr>
-          <p:cNvPr id="13" name="직사각형 12">
-            <a:extLst>
-              <a:ext uri="{FF2B5EF4-FFF2-40B4-BE49-F238E27FC236}">
-                <a16:creationId xmlns:a16="http://schemas.microsoft.com/office/drawing/2014/main" id="{97DF1951-0DE7-49B0-B565-3F9983B1706A}"/>
-              </a:ext>
-            </a:extLst>
-          </p:cNvPr>
-          <p:cNvSpPr/>
-          <p:nvPr/>
-        </p:nvSpPr>
-        <p:spPr>
-          <a:xfrm>
-            <a:off x="5327748" y="5047844"/>
-            <a:ext cx="6841938" cy="969496"/>
-          </a:xfrm>
-          <a:prstGeom prst="rect">
-            <a:avLst/>
-          </a:prstGeom>
-        </p:spPr>
-        <p:txBody>
-          <a:bodyPr wrap="none">
-            <a:spAutoFit/>
-          </a:bodyPr>
-          <a:lstStyle/>
-          <a:p>
-            <a:r>
-              <a:rPr lang="en-US" altLang="ko-KR" dirty="0"/>
-              <a:t>Use a reasonable or understandable time units.</a:t>
-            </a:r>
-          </a:p>
-          <a:p>
-            <a:r>
-              <a:rPr lang="en-US" altLang="ko-KR" b="1" dirty="0"/>
-              <a:t>Do not say, </a:t>
-            </a:r>
-            <a:r>
-              <a:rPr lang="en-US" altLang="ko-KR" dirty="0"/>
-              <a:t>for example, "3660 days" nor "1220 seconds", </a:t>
-            </a:r>
-          </a:p>
-          <a:p>
-            <a:r>
-              <a:rPr lang="en-US" altLang="ko-KR" dirty="0"/>
-              <a:t>but 10.0 years or 20.3 min, respectively. </a:t>
-            </a:r>
-            <a:endParaRPr lang="ko-KR" altLang="en-US" dirty="0"/>
-          </a:p>
-        </p:txBody>
-      </p:sp>
     </p:spTree>
     <p:extLst>
       <p:ext uri="{BB962C8B-B14F-4D97-AF65-F5344CB8AC3E}">
